--- a/other/images/IVRS_src.pptx
+++ b/other/images/IVRS_src.pptx
@@ -259,7 +259,7 @@
           <a:p>
             <a:fld id="{2354A789-F9D5-4D97-81EC-0B59B17E14C1}" type="datetimeFigureOut">
               <a:rPr lang="en-US" smtClean="0"/>
-              <a:t>12/21/2020</a:t>
+              <a:t>7/22/2021</a:t>
             </a:fld>
             <a:endParaRPr lang="en-US"/>
           </a:p>
@@ -457,7 +457,7 @@
           <a:p>
             <a:fld id="{2354A789-F9D5-4D97-81EC-0B59B17E14C1}" type="datetimeFigureOut">
               <a:rPr lang="en-US" smtClean="0"/>
-              <a:t>12/21/2020</a:t>
+              <a:t>7/22/2021</a:t>
             </a:fld>
             <a:endParaRPr lang="en-US"/>
           </a:p>
@@ -665,7 +665,7 @@
           <a:p>
             <a:fld id="{2354A789-F9D5-4D97-81EC-0B59B17E14C1}" type="datetimeFigureOut">
               <a:rPr lang="en-US" smtClean="0"/>
-              <a:t>12/21/2020</a:t>
+              <a:t>7/22/2021</a:t>
             </a:fld>
             <a:endParaRPr lang="en-US"/>
           </a:p>
@@ -863,7 +863,7 @@
           <a:p>
             <a:fld id="{2354A789-F9D5-4D97-81EC-0B59B17E14C1}" type="datetimeFigureOut">
               <a:rPr lang="en-US" smtClean="0"/>
-              <a:t>12/21/2020</a:t>
+              <a:t>7/22/2021</a:t>
             </a:fld>
             <a:endParaRPr lang="en-US"/>
           </a:p>
@@ -1138,7 +1138,7 @@
           <a:p>
             <a:fld id="{2354A789-F9D5-4D97-81EC-0B59B17E14C1}" type="datetimeFigureOut">
               <a:rPr lang="en-US" smtClean="0"/>
-              <a:t>12/21/2020</a:t>
+              <a:t>7/22/2021</a:t>
             </a:fld>
             <a:endParaRPr lang="en-US"/>
           </a:p>
@@ -1403,7 +1403,7 @@
           <a:p>
             <a:fld id="{2354A789-F9D5-4D97-81EC-0B59B17E14C1}" type="datetimeFigureOut">
               <a:rPr lang="en-US" smtClean="0"/>
-              <a:t>12/21/2020</a:t>
+              <a:t>7/22/2021</a:t>
             </a:fld>
             <a:endParaRPr lang="en-US"/>
           </a:p>
@@ -1815,7 +1815,7 @@
           <a:p>
             <a:fld id="{2354A789-F9D5-4D97-81EC-0B59B17E14C1}" type="datetimeFigureOut">
               <a:rPr lang="en-US" smtClean="0"/>
-              <a:t>12/21/2020</a:t>
+              <a:t>7/22/2021</a:t>
             </a:fld>
             <a:endParaRPr lang="en-US"/>
           </a:p>
@@ -1956,7 +1956,7 @@
           <a:p>
             <a:fld id="{2354A789-F9D5-4D97-81EC-0B59B17E14C1}" type="datetimeFigureOut">
               <a:rPr lang="en-US" smtClean="0"/>
-              <a:t>12/21/2020</a:t>
+              <a:t>7/22/2021</a:t>
             </a:fld>
             <a:endParaRPr lang="en-US"/>
           </a:p>
@@ -2069,7 +2069,7 @@
           <a:p>
             <a:fld id="{2354A789-F9D5-4D97-81EC-0B59B17E14C1}" type="datetimeFigureOut">
               <a:rPr lang="en-US" smtClean="0"/>
-              <a:t>12/21/2020</a:t>
+              <a:t>7/22/2021</a:t>
             </a:fld>
             <a:endParaRPr lang="en-US"/>
           </a:p>
@@ -2380,7 +2380,7 @@
           <a:p>
             <a:fld id="{2354A789-F9D5-4D97-81EC-0B59B17E14C1}" type="datetimeFigureOut">
               <a:rPr lang="en-US" smtClean="0"/>
-              <a:t>12/21/2020</a:t>
+              <a:t>7/22/2021</a:t>
             </a:fld>
             <a:endParaRPr lang="en-US"/>
           </a:p>
@@ -2668,7 +2668,7 @@
           <a:p>
             <a:fld id="{2354A789-F9D5-4D97-81EC-0B59B17E14C1}" type="datetimeFigureOut">
               <a:rPr lang="en-US" smtClean="0"/>
-              <a:t>12/21/2020</a:t>
+              <a:t>7/22/2021</a:t>
             </a:fld>
             <a:endParaRPr lang="en-US"/>
           </a:p>
@@ -2909,7 +2909,7 @@
           <a:p>
             <a:fld id="{2354A789-F9D5-4D97-81EC-0B59B17E14C1}" type="datetimeFigureOut">
               <a:rPr lang="en-US" smtClean="0"/>
-              <a:t>12/21/2020</a:t>
+              <a:t>7/22/2021</a:t>
             </a:fld>
             <a:endParaRPr lang="en-US"/>
           </a:p>
@@ -3355,7 +3355,7 @@
         </p:blipFill>
         <p:spPr bwMode="auto">
           <a:xfrm>
-            <a:off x="2192479" y="1007073"/>
+            <a:off x="2067332" y="1317248"/>
             <a:ext cx="2705310" cy="4048125"/>
           </a:xfrm>
           <a:prstGeom prst="rect">
@@ -3387,8 +3387,8 @@
         </p:nvSpPr>
         <p:spPr>
           <a:xfrm>
-            <a:off x="4687410" y="2414726"/>
-            <a:ext cx="1589103" cy="1740024"/>
+            <a:off x="4469450" y="2624640"/>
+            <a:ext cx="1807063" cy="3102544"/>
           </a:xfrm>
           <a:custGeom>
             <a:avLst/>
@@ -3495,7 +3495,7 @@
         </p:blipFill>
         <p:spPr>
           <a:xfrm rot="16200000">
-            <a:off x="6210409" y="2210767"/>
+            <a:off x="6210409" y="3783201"/>
             <a:ext cx="1945471" cy="2262429"/>
           </a:xfrm>
           <a:prstGeom prst="rect">
@@ -3503,51 +3503,6 @@
           </a:prstGeom>
         </p:spPr>
       </p:pic>
-      <p:cxnSp>
-        <p:nvCxnSpPr>
-          <p:cNvPr id="9" name="Connector: Elbow 8">
-            <a:extLst>
-              <a:ext uri="{FF2B5EF4-FFF2-40B4-BE49-F238E27FC236}">
-                <a16:creationId xmlns:a16="http://schemas.microsoft.com/office/drawing/2014/main" id="{70D5210D-1D11-4507-929B-070504E824C6}"/>
-              </a:ext>
-            </a:extLst>
-          </p:cNvPr>
-          <p:cNvCxnSpPr>
-            <a:cxnSpLocks/>
-          </p:cNvCxnSpPr>
-          <p:nvPr/>
-        </p:nvCxnSpPr>
-        <p:spPr>
-          <a:xfrm>
-            <a:off x="4677071" y="2552700"/>
-            <a:ext cx="1418929" cy="1415618"/>
-          </a:xfrm>
-          <a:prstGeom prst="bentConnector3">
-            <a:avLst>
-              <a:gd name="adj1" fmla="val 50000"/>
-            </a:avLst>
-          </a:prstGeom>
-          <a:ln w="57150">
-            <a:solidFill>
-              <a:schemeClr val="tx1"/>
-            </a:solidFill>
-          </a:ln>
-        </p:spPr>
-        <p:style>
-          <a:lnRef idx="1">
-            <a:schemeClr val="accent1"/>
-          </a:lnRef>
-          <a:fillRef idx="0">
-            <a:schemeClr val="accent1"/>
-          </a:fillRef>
-          <a:effectRef idx="0">
-            <a:schemeClr val="accent1"/>
-          </a:effectRef>
-          <a:fontRef idx="minor">
-            <a:schemeClr val="tx1"/>
-          </a:fontRef>
-        </p:style>
-      </p:cxnSp>
       <p:pic>
         <p:nvPicPr>
           <p:cNvPr id="1028" name="Picture 4">
@@ -3654,8 +3609,8 @@
         </p:nvSpPr>
         <p:spPr>
           <a:xfrm>
-            <a:off x="8341567" y="1623527"/>
-            <a:ext cx="1688841" cy="2379306"/>
+            <a:off x="8278207" y="1623527"/>
+            <a:ext cx="1688841" cy="3932235"/>
           </a:xfrm>
           <a:custGeom>
             <a:avLst/>
@@ -3755,8 +3710,8 @@
         </p:nvSpPr>
         <p:spPr>
           <a:xfrm>
-            <a:off x="1847461" y="345233"/>
-            <a:ext cx="7623110" cy="3069771"/>
+            <a:off x="1847461" y="1157281"/>
+            <a:ext cx="7623110" cy="2562093"/>
           </a:xfrm>
           <a:custGeom>
             <a:avLst/>
@@ -3897,10 +3852,10 @@
       </p:pic>
       <p:sp>
         <p:nvSpPr>
-          <p:cNvPr id="31" name="Freeform: Shape 30">
-            <a:extLst>
-              <a:ext uri="{FF2B5EF4-FFF2-40B4-BE49-F238E27FC236}">
-                <a16:creationId xmlns:a16="http://schemas.microsoft.com/office/drawing/2014/main" id="{B5EBD93C-25A7-4979-9013-99F40B0E4975}"/>
+          <p:cNvPr id="1029" name="Freeform: Shape 1028">
+            <a:extLst>
+              <a:ext uri="{FF2B5EF4-FFF2-40B4-BE49-F238E27FC236}">
+                <a16:creationId xmlns:a16="http://schemas.microsoft.com/office/drawing/2014/main" id="{41C1D1C4-D70B-4567-A711-85600EC9B0ED}"/>
               </a:ext>
             </a:extLst>
           </p:cNvPr>
@@ -3908,299 +3863,9 @@
           <p:nvPr/>
         </p:nvSpPr>
         <p:spPr>
-          <a:xfrm>
-            <a:off x="4701540" y="2636520"/>
-            <a:ext cx="1516380" cy="53340"/>
-          </a:xfrm>
-          <a:custGeom>
-            <a:avLst/>
-            <a:gdLst>
-              <a:gd name="connsiteX0" fmla="*/ 0 w 1516380"/>
-              <a:gd name="connsiteY0" fmla="*/ 53340 h 53340"/>
-              <a:gd name="connsiteX1" fmla="*/ 1219200 w 1516380"/>
-              <a:gd name="connsiteY1" fmla="*/ 53340 h 53340"/>
-              <a:gd name="connsiteX2" fmla="*/ 1219200 w 1516380"/>
-              <a:gd name="connsiteY2" fmla="*/ 0 h 53340"/>
-              <a:gd name="connsiteX3" fmla="*/ 1516380 w 1516380"/>
-              <a:gd name="connsiteY3" fmla="*/ 0 h 53340"/>
-            </a:gdLst>
-            <a:ahLst/>
-            <a:cxnLst>
-              <a:cxn ang="0">
-                <a:pos x="connsiteX0" y="connsiteY0"/>
-              </a:cxn>
-              <a:cxn ang="0">
-                <a:pos x="connsiteX1" y="connsiteY1"/>
-              </a:cxn>
-              <a:cxn ang="0">
-                <a:pos x="connsiteX2" y="connsiteY2"/>
-              </a:cxn>
-              <a:cxn ang="0">
-                <a:pos x="connsiteX3" y="connsiteY3"/>
-              </a:cxn>
-            </a:cxnLst>
-            <a:rect l="l" t="t" r="r" b="b"/>
-            <a:pathLst>
-              <a:path w="1516380" h="53340">
-                <a:moveTo>
-                  <a:pt x="0" y="53340"/>
-                </a:moveTo>
-                <a:lnTo>
-                  <a:pt x="1219200" y="53340"/>
-                </a:lnTo>
-                <a:lnTo>
-                  <a:pt x="1219200" y="0"/>
-                </a:lnTo>
-                <a:lnTo>
-                  <a:pt x="1516380" y="0"/>
-                </a:lnTo>
-              </a:path>
-            </a:pathLst>
-          </a:custGeom>
-          <a:ln w="57150">
-            <a:solidFill>
-              <a:schemeClr val="accent4">
-                <a:lumMod val="60000"/>
-                <a:lumOff val="40000"/>
-              </a:schemeClr>
-            </a:solidFill>
-          </a:ln>
-        </p:spPr>
-        <p:style>
-          <a:lnRef idx="1">
-            <a:schemeClr val="accent1"/>
-          </a:lnRef>
-          <a:fillRef idx="0">
-            <a:schemeClr val="accent1"/>
-          </a:fillRef>
-          <a:effectRef idx="0">
-            <a:schemeClr val="accent1"/>
-          </a:effectRef>
-          <a:fontRef idx="minor">
-            <a:schemeClr val="tx1"/>
-          </a:fontRef>
-        </p:style>
-        <p:txBody>
-          <a:bodyPr rot="0" spcFirstLastPara="0" vertOverflow="overflow" horzOverflow="overflow" vert="horz" wrap="square" lIns="91440" tIns="45720" rIns="91440" bIns="45720" numCol="1" spcCol="0" rtlCol="0" fromWordArt="0" anchor="ctr" anchorCtr="0" forceAA="0" compatLnSpc="1">
-            <a:prstTxWarp prst="textNoShape">
-              <a:avLst/>
-            </a:prstTxWarp>
-            <a:noAutofit/>
-          </a:bodyPr>
-          <a:lstStyle/>
-          <a:p>
-            <a:pPr algn="ctr"/>
-            <a:endParaRPr lang="en-US"/>
-          </a:p>
-        </p:txBody>
-      </p:sp>
-      <p:sp>
-        <p:nvSpPr>
-          <p:cNvPr id="1024" name="Freeform: Shape 1023">
-            <a:extLst>
-              <a:ext uri="{FF2B5EF4-FFF2-40B4-BE49-F238E27FC236}">
-                <a16:creationId xmlns:a16="http://schemas.microsoft.com/office/drawing/2014/main" id="{C5ECBB2B-6122-48DC-B09B-9DECB423A311}"/>
-              </a:ext>
-            </a:extLst>
-          </p:cNvPr>
-          <p:cNvSpPr/>
-          <p:nvPr/>
-        </p:nvSpPr>
-        <p:spPr>
-          <a:xfrm>
-            <a:off x="4693920" y="2788920"/>
-            <a:ext cx="1463040" cy="60960"/>
-          </a:xfrm>
-          <a:custGeom>
-            <a:avLst/>
-            <a:gdLst>
-              <a:gd name="connsiteX0" fmla="*/ 0 w 1463040"/>
-              <a:gd name="connsiteY0" fmla="*/ 53340 h 60960"/>
-              <a:gd name="connsiteX1" fmla="*/ 1196340 w 1463040"/>
-              <a:gd name="connsiteY1" fmla="*/ 60960 h 60960"/>
-              <a:gd name="connsiteX2" fmla="*/ 1196340 w 1463040"/>
-              <a:gd name="connsiteY2" fmla="*/ 0 h 60960"/>
-              <a:gd name="connsiteX3" fmla="*/ 1463040 w 1463040"/>
-              <a:gd name="connsiteY3" fmla="*/ 0 h 60960"/>
-            </a:gdLst>
-            <a:ahLst/>
-            <a:cxnLst>
-              <a:cxn ang="0">
-                <a:pos x="connsiteX0" y="connsiteY0"/>
-              </a:cxn>
-              <a:cxn ang="0">
-                <a:pos x="connsiteX1" y="connsiteY1"/>
-              </a:cxn>
-              <a:cxn ang="0">
-                <a:pos x="connsiteX2" y="connsiteY2"/>
-              </a:cxn>
-              <a:cxn ang="0">
-                <a:pos x="connsiteX3" y="connsiteY3"/>
-              </a:cxn>
-            </a:cxnLst>
-            <a:rect l="l" t="t" r="r" b="b"/>
-            <a:pathLst>
-              <a:path w="1463040" h="60960">
-                <a:moveTo>
-                  <a:pt x="0" y="53340"/>
-                </a:moveTo>
-                <a:lnTo>
-                  <a:pt x="1196340" y="60960"/>
-                </a:lnTo>
-                <a:lnTo>
-                  <a:pt x="1196340" y="0"/>
-                </a:lnTo>
-                <a:lnTo>
-                  <a:pt x="1463040" y="0"/>
-                </a:lnTo>
-              </a:path>
-            </a:pathLst>
-          </a:custGeom>
-          <a:solidFill>
-            <a:schemeClr val="accent2">
-              <a:lumMod val="75000"/>
-            </a:schemeClr>
-          </a:solidFill>
-          <a:ln w="57150">
-            <a:solidFill>
-              <a:schemeClr val="accent2">
-                <a:lumMod val="75000"/>
-              </a:schemeClr>
-            </a:solidFill>
-          </a:ln>
-        </p:spPr>
-        <p:style>
-          <a:lnRef idx="1">
-            <a:schemeClr val="accent1"/>
-          </a:lnRef>
-          <a:fillRef idx="0">
-            <a:schemeClr val="accent1"/>
-          </a:fillRef>
-          <a:effectRef idx="0">
-            <a:schemeClr val="accent1"/>
-          </a:effectRef>
-          <a:fontRef idx="minor">
-            <a:schemeClr val="tx1"/>
-          </a:fontRef>
-        </p:style>
-        <p:txBody>
-          <a:bodyPr rot="0" spcFirstLastPara="0" vertOverflow="overflow" horzOverflow="overflow" vert="horz" wrap="square" lIns="91440" tIns="45720" rIns="91440" bIns="45720" numCol="1" spcCol="0" rtlCol="0" fromWordArt="0" anchor="ctr" anchorCtr="0" forceAA="0" compatLnSpc="1">
-            <a:prstTxWarp prst="textNoShape">
-              <a:avLst/>
-            </a:prstTxWarp>
-            <a:noAutofit/>
-          </a:bodyPr>
-          <a:lstStyle/>
-          <a:p>
-            <a:pPr algn="ctr"/>
-            <a:endParaRPr lang="en-US">
-              <a:solidFill>
-                <a:schemeClr val="tx1"/>
-              </a:solidFill>
-            </a:endParaRPr>
-          </a:p>
-        </p:txBody>
-      </p:sp>
-      <p:sp>
-        <p:nvSpPr>
-          <p:cNvPr id="1027" name="Freeform: Shape 1026">
-            <a:extLst>
-              <a:ext uri="{FF2B5EF4-FFF2-40B4-BE49-F238E27FC236}">
-                <a16:creationId xmlns:a16="http://schemas.microsoft.com/office/drawing/2014/main" id="{F5EDBA05-C9FD-4686-AD74-6B6C7BB77C16}"/>
-              </a:ext>
-            </a:extLst>
-          </p:cNvPr>
-          <p:cNvSpPr/>
-          <p:nvPr/>
-        </p:nvSpPr>
-        <p:spPr>
-          <a:xfrm>
-            <a:off x="4678680" y="3208020"/>
-            <a:ext cx="1615440" cy="0"/>
-          </a:xfrm>
-          <a:custGeom>
-            <a:avLst/>
-            <a:gdLst>
-              <a:gd name="connsiteX0" fmla="*/ 0 w 1615440"/>
-              <a:gd name="connsiteY0" fmla="*/ 0 h 0"/>
-              <a:gd name="connsiteX1" fmla="*/ 1615440 w 1615440"/>
-              <a:gd name="connsiteY1" fmla="*/ 0 h 0"/>
-            </a:gdLst>
-            <a:ahLst/>
-            <a:cxnLst>
-              <a:cxn ang="0">
-                <a:pos x="connsiteX0" y="connsiteY0"/>
-              </a:cxn>
-              <a:cxn ang="0">
-                <a:pos x="connsiteX1" y="connsiteY1"/>
-              </a:cxn>
-            </a:cxnLst>
-            <a:rect l="l" t="t" r="r" b="b"/>
-            <a:pathLst>
-              <a:path w="1615440">
-                <a:moveTo>
-                  <a:pt x="0" y="0"/>
-                </a:moveTo>
-                <a:lnTo>
-                  <a:pt x="1615440" y="0"/>
-                </a:lnTo>
-              </a:path>
-            </a:pathLst>
-          </a:custGeom>
-          <a:ln w="57150">
-            <a:solidFill>
-              <a:srgbClr val="7030A0"/>
-            </a:solidFill>
-          </a:ln>
-        </p:spPr>
-        <p:style>
-          <a:lnRef idx="1">
-            <a:schemeClr val="accent1"/>
-          </a:lnRef>
-          <a:fillRef idx="0">
-            <a:schemeClr val="accent1"/>
-          </a:fillRef>
-          <a:effectRef idx="0">
-            <a:schemeClr val="accent1"/>
-          </a:effectRef>
-          <a:fontRef idx="minor">
-            <a:schemeClr val="tx1"/>
-          </a:fontRef>
-        </p:style>
-        <p:txBody>
-          <a:bodyPr rot="0" spcFirstLastPara="0" vertOverflow="overflow" horzOverflow="overflow" vert="horz" wrap="square" lIns="91440" tIns="45720" rIns="91440" bIns="45720" numCol="1" spcCol="0" rtlCol="0" fromWordArt="0" anchor="ctr" anchorCtr="0" forceAA="0" compatLnSpc="1">
-            <a:prstTxWarp prst="textNoShape">
-              <a:avLst/>
-            </a:prstTxWarp>
-            <a:noAutofit/>
-          </a:bodyPr>
-          <a:lstStyle/>
-          <a:p>
-            <a:pPr algn="ctr"/>
-            <a:endParaRPr lang="en-US">
-              <a:solidFill>
-                <a:schemeClr val="tx1"/>
-              </a:solidFill>
-            </a:endParaRPr>
-          </a:p>
-        </p:txBody>
-      </p:sp>
-      <p:sp>
-        <p:nvSpPr>
-          <p:cNvPr id="1029" name="Freeform: Shape 1028">
-            <a:extLst>
-              <a:ext uri="{FF2B5EF4-FFF2-40B4-BE49-F238E27FC236}">
-                <a16:creationId xmlns:a16="http://schemas.microsoft.com/office/drawing/2014/main" id="{41C1D1C4-D70B-4567-A711-85600EC9B0ED}"/>
-              </a:ext>
-            </a:extLst>
-          </p:cNvPr>
-          <p:cNvSpPr/>
-          <p:nvPr/>
-        </p:nvSpPr>
-        <p:spPr>
-          <a:xfrm>
-            <a:off x="4678680" y="3345180"/>
-            <a:ext cx="1554480" cy="0"/>
+          <a:xfrm flipV="1">
+            <a:off x="4127619" y="4917612"/>
+            <a:ext cx="2105541" cy="54793"/>
           </a:xfrm>
           <a:custGeom>
             <a:avLst/>
@@ -4271,52 +3936,73 @@
           </a:p>
         </p:txBody>
       </p:sp>
-      <p:sp>
-        <p:nvSpPr>
-          <p:cNvPr id="1032" name="Freeform: Shape 1031">
-            <a:extLst>
-              <a:ext uri="{FF2B5EF4-FFF2-40B4-BE49-F238E27FC236}">
-                <a16:creationId xmlns:a16="http://schemas.microsoft.com/office/drawing/2014/main" id="{D0639069-548B-4172-B9B1-24A6D7E224D7}"/>
-              </a:ext>
-            </a:extLst>
-          </p:cNvPr>
-          <p:cNvSpPr/>
+      <p:cxnSp>
+        <p:nvCxnSpPr>
+          <p:cNvPr id="3" name="Straight Connector 2">
+            <a:extLst>
+              <a:ext uri="{FF2B5EF4-FFF2-40B4-BE49-F238E27FC236}">
+                <a16:creationId xmlns:a16="http://schemas.microsoft.com/office/drawing/2014/main" id="{91D9E680-F862-46AC-B126-B6CF688DBEE1}"/>
+              </a:ext>
+            </a:extLst>
+          </p:cNvPr>
+          <p:cNvCxnSpPr>
+            <a:cxnSpLocks/>
+          </p:cNvCxnSpPr>
           <p:nvPr/>
-        </p:nvSpPr>
+        </p:nvCxnSpPr>
         <p:spPr>
-          <a:xfrm>
-            <a:off x="4686300" y="2964180"/>
-            <a:ext cx="1600200" cy="0"/>
+          <a:xfrm flipV="1">
+            <a:off x="4127619" y="4742916"/>
+            <a:ext cx="2148894" cy="64593"/>
           </a:xfrm>
-          <a:custGeom>
+          <a:prstGeom prst="line">
             <a:avLst/>
-            <a:gdLst>
-              <a:gd name="connsiteX0" fmla="*/ 0 w 1600200"/>
-              <a:gd name="connsiteY0" fmla="*/ 0 h 0"/>
-              <a:gd name="connsiteX1" fmla="*/ 1600200 w 1600200"/>
-              <a:gd name="connsiteY1" fmla="*/ 0 h 0"/>
-            </a:gdLst>
-            <a:ahLst/>
-            <a:cxnLst>
-              <a:cxn ang="0">
-                <a:pos x="connsiteX0" y="connsiteY0"/>
-              </a:cxn>
-              <a:cxn ang="0">
-                <a:pos x="connsiteX1" y="connsiteY1"/>
-              </a:cxn>
-            </a:cxnLst>
-            <a:rect l="l" t="t" r="r" b="b"/>
-            <a:pathLst>
-              <a:path w="1600200">
-                <a:moveTo>
-                  <a:pt x="0" y="0"/>
-                </a:moveTo>
-                <a:lnTo>
-                  <a:pt x="1600200" y="0"/>
-                </a:lnTo>
-              </a:path>
-            </a:pathLst>
-          </a:custGeom>
+          </a:prstGeom>
+          <a:ln w="57150">
+            <a:solidFill>
+              <a:schemeClr val="accent1">
+                <a:lumMod val="75000"/>
+              </a:schemeClr>
+            </a:solidFill>
+          </a:ln>
+        </p:spPr>
+        <p:style>
+          <a:lnRef idx="1">
+            <a:schemeClr val="accent1"/>
+          </a:lnRef>
+          <a:fillRef idx="0">
+            <a:schemeClr val="accent1"/>
+          </a:fillRef>
+          <a:effectRef idx="0">
+            <a:schemeClr val="accent1"/>
+          </a:effectRef>
+          <a:fontRef idx="minor">
+            <a:schemeClr val="tx1"/>
+          </a:fontRef>
+        </p:style>
+      </p:cxnSp>
+      <p:cxnSp>
+        <p:nvCxnSpPr>
+          <p:cNvPr id="19" name="Straight Connector 18">
+            <a:extLst>
+              <a:ext uri="{FF2B5EF4-FFF2-40B4-BE49-F238E27FC236}">
+                <a16:creationId xmlns:a16="http://schemas.microsoft.com/office/drawing/2014/main" id="{AA34467B-D335-4276-8E78-291F92259A5D}"/>
+              </a:ext>
+            </a:extLst>
+          </p:cNvPr>
+          <p:cNvCxnSpPr>
+            <a:cxnSpLocks/>
+          </p:cNvCxnSpPr>
+          <p:nvPr/>
+        </p:nvCxnSpPr>
+        <p:spPr>
+          <a:xfrm flipV="1">
+            <a:off x="4127619" y="4575174"/>
+            <a:ext cx="2090301" cy="126356"/>
+          </a:xfrm>
+          <a:prstGeom prst="line">
+            <a:avLst/>
+          </a:prstGeom>
           <a:ln w="57150">
             <a:solidFill>
               <a:srgbClr val="00B0F0"/>
@@ -4337,24 +4023,243 @@
             <a:schemeClr val="tx1"/>
           </a:fontRef>
         </p:style>
-        <p:txBody>
-          <a:bodyPr rot="0" spcFirstLastPara="0" vertOverflow="overflow" horzOverflow="overflow" vert="horz" wrap="square" lIns="91440" tIns="45720" rIns="91440" bIns="45720" numCol="1" spcCol="0" rtlCol="0" fromWordArt="0" anchor="ctr" anchorCtr="0" forceAA="0" compatLnSpc="1">
-            <a:prstTxWarp prst="textNoShape">
-              <a:avLst/>
-            </a:prstTxWarp>
-            <a:noAutofit/>
-          </a:bodyPr>
+      </p:cxnSp>
+      <p:cxnSp>
+        <p:nvCxnSpPr>
+          <p:cNvPr id="21" name="Straight Connector 20">
+            <a:extLst>
+              <a:ext uri="{FF2B5EF4-FFF2-40B4-BE49-F238E27FC236}">
+                <a16:creationId xmlns:a16="http://schemas.microsoft.com/office/drawing/2014/main" id="{F3DED96A-E26F-4725-B9A8-F3D358BCAAE9}"/>
+              </a:ext>
+            </a:extLst>
+          </p:cNvPr>
+          <p:cNvCxnSpPr>
+            <a:cxnSpLocks/>
+          </p:cNvCxnSpPr>
+          <p:nvPr/>
+        </p:nvCxnSpPr>
+        <p:spPr>
+          <a:xfrm flipV="1">
+            <a:off x="4127619" y="4351653"/>
+            <a:ext cx="2159875" cy="193428"/>
+          </a:xfrm>
+          <a:prstGeom prst="line">
+            <a:avLst/>
+          </a:prstGeom>
+          <a:solidFill>
+            <a:schemeClr val="accent2">
+              <a:lumMod val="75000"/>
+            </a:schemeClr>
+          </a:solidFill>
+          <a:ln w="57150">
+            <a:solidFill>
+              <a:schemeClr val="accent2">
+                <a:lumMod val="75000"/>
+              </a:schemeClr>
+            </a:solidFill>
+          </a:ln>
+        </p:spPr>
+        <p:style>
+          <a:lnRef idx="1">
+            <a:schemeClr val="accent1"/>
+          </a:lnRef>
+          <a:fillRef idx="0">
+            <a:schemeClr val="accent1"/>
+          </a:fillRef>
+          <a:effectRef idx="0">
+            <a:schemeClr val="accent1"/>
+          </a:effectRef>
+          <a:fontRef idx="minor">
+            <a:schemeClr val="tx1"/>
+          </a:fontRef>
+        </p:style>
+      </p:cxnSp>
+      <p:cxnSp>
+        <p:nvCxnSpPr>
+          <p:cNvPr id="24" name="Straight Connector 23">
+            <a:extLst>
+              <a:ext uri="{FF2B5EF4-FFF2-40B4-BE49-F238E27FC236}">
+                <a16:creationId xmlns:a16="http://schemas.microsoft.com/office/drawing/2014/main" id="{BCA2D5A8-A028-407D-ABD9-5214995F2E71}"/>
+              </a:ext>
+            </a:extLst>
+          </p:cNvPr>
+          <p:cNvCxnSpPr>
+            <a:cxnSpLocks/>
+          </p:cNvCxnSpPr>
+          <p:nvPr/>
+        </p:nvCxnSpPr>
+        <p:spPr>
+          <a:xfrm flipV="1">
+            <a:off x="4082155" y="4221779"/>
+            <a:ext cx="2159875" cy="193428"/>
+          </a:xfrm>
+          <a:prstGeom prst="line">
+            <a:avLst/>
+          </a:prstGeom>
+          <a:ln w="57150">
+            <a:solidFill>
+              <a:schemeClr val="accent4">
+                <a:lumMod val="60000"/>
+                <a:lumOff val="40000"/>
+              </a:schemeClr>
+            </a:solidFill>
+          </a:ln>
+        </p:spPr>
+        <p:style>
+          <a:lnRef idx="1">
+            <a:schemeClr val="accent1"/>
+          </a:lnRef>
+          <a:fillRef idx="0">
+            <a:schemeClr val="accent1"/>
+          </a:fillRef>
+          <a:effectRef idx="0">
+            <a:schemeClr val="accent1"/>
+          </a:effectRef>
+          <a:fontRef idx="minor">
+            <a:schemeClr val="tx1"/>
+          </a:fontRef>
+        </p:style>
+      </p:cxnSp>
+      <p:sp>
+        <p:nvSpPr>
+          <p:cNvPr id="27" name="Freeform: Shape 26">
+            <a:extLst>
+              <a:ext uri="{FF2B5EF4-FFF2-40B4-BE49-F238E27FC236}">
+                <a16:creationId xmlns:a16="http://schemas.microsoft.com/office/drawing/2014/main" id="{9A0658B2-25E1-45E2-BF59-485840A972A7}"/>
+              </a:ext>
+            </a:extLst>
+          </p:cNvPr>
+          <p:cNvSpPr/>
+          <p:nvPr/>
+        </p:nvSpPr>
+        <p:spPr>
+          <a:xfrm>
+            <a:off x="4545424" y="2838917"/>
+            <a:ext cx="1156600" cy="2701835"/>
+          </a:xfrm>
+          <a:custGeom>
+            <a:avLst/>
+            <a:gdLst>
+              <a:gd name="connsiteX0" fmla="*/ 0 w 1589103"/>
+              <a:gd name="connsiteY0" fmla="*/ 0 h 1740024"/>
+              <a:gd name="connsiteX1" fmla="*/ 834501 w 1589103"/>
+              <a:gd name="connsiteY1" fmla="*/ 0 h 1740024"/>
+              <a:gd name="connsiteX2" fmla="*/ 834501 w 1589103"/>
+              <a:gd name="connsiteY2" fmla="*/ 1740024 h 1740024"/>
+              <a:gd name="connsiteX3" fmla="*/ 1589103 w 1589103"/>
+              <a:gd name="connsiteY3" fmla="*/ 1731146 h 1740024"/>
+            </a:gdLst>
+            <a:ahLst/>
+            <a:cxnLst>
+              <a:cxn ang="0">
+                <a:pos x="connsiteX0" y="connsiteY0"/>
+              </a:cxn>
+              <a:cxn ang="0">
+                <a:pos x="connsiteX1" y="connsiteY1"/>
+              </a:cxn>
+              <a:cxn ang="0">
+                <a:pos x="connsiteX2" y="connsiteY2"/>
+              </a:cxn>
+              <a:cxn ang="0">
+                <a:pos x="connsiteX3" y="connsiteY3"/>
+              </a:cxn>
+            </a:cxnLst>
+            <a:rect l="l" t="t" r="r" b="b"/>
+            <a:pathLst>
+              <a:path w="1589103" h="1740024">
+                <a:moveTo>
+                  <a:pt x="0" y="0"/>
+                </a:moveTo>
+                <a:lnTo>
+                  <a:pt x="834501" y="0"/>
+                </a:lnTo>
+                <a:lnTo>
+                  <a:pt x="834501" y="1740024"/>
+                </a:lnTo>
+                <a:lnTo>
+                  <a:pt x="1589103" y="1731146"/>
+                </a:lnTo>
+              </a:path>
+            </a:pathLst>
+          </a:custGeom>
+          <a:noFill/>
+          <a:ln w="57150">
+            <a:solidFill>
+              <a:schemeClr val="tx1"/>
+            </a:solidFill>
+          </a:ln>
+        </p:spPr>
+        <p:style>
+          <a:lnRef idx="2">
+            <a:schemeClr val="accent1">
+              <a:shade val="50000"/>
+            </a:schemeClr>
+          </a:lnRef>
+          <a:fillRef idx="1">
+            <a:schemeClr val="accent1"/>
+          </a:fillRef>
+          <a:effectRef idx="0">
+            <a:schemeClr val="accent1"/>
+          </a:effectRef>
+          <a:fontRef idx="minor">
+            <a:schemeClr val="lt1"/>
+          </a:fontRef>
+        </p:style>
+        <p:txBody>
+          <a:bodyPr rtlCol="0" anchor="ctr"/>
           <a:lstStyle/>
           <a:p>
             <a:pPr algn="ctr"/>
-            <a:endParaRPr lang="en-US">
-              <a:solidFill>
-                <a:schemeClr val="tx1"/>
-              </a:solidFill>
-            </a:endParaRPr>
-          </a:p>
-        </p:txBody>
-      </p:sp>
+            <a:endParaRPr lang="en-US"/>
+          </a:p>
+        </p:txBody>
+      </p:sp>
+      <p:cxnSp>
+        <p:nvCxnSpPr>
+          <p:cNvPr id="28" name="Straight Connector 27">
+            <a:extLst>
+              <a:ext uri="{FF2B5EF4-FFF2-40B4-BE49-F238E27FC236}">
+                <a16:creationId xmlns:a16="http://schemas.microsoft.com/office/drawing/2014/main" id="{0B820943-AAB8-42E5-BE0A-F8112151141B}"/>
+              </a:ext>
+            </a:extLst>
+          </p:cNvPr>
+          <p:cNvCxnSpPr>
+            <a:cxnSpLocks/>
+          </p:cNvCxnSpPr>
+          <p:nvPr/>
+        </p:nvCxnSpPr>
+        <p:spPr>
+          <a:xfrm flipV="1">
+            <a:off x="5135561" y="5540752"/>
+            <a:ext cx="960439" cy="3496"/>
+          </a:xfrm>
+          <a:prstGeom prst="line">
+            <a:avLst/>
+          </a:prstGeom>
+          <a:ln w="57150">
+            <a:solidFill>
+              <a:schemeClr val="tx1">
+                <a:lumMod val="95000"/>
+                <a:lumOff val="5000"/>
+              </a:schemeClr>
+            </a:solidFill>
+          </a:ln>
+        </p:spPr>
+        <p:style>
+          <a:lnRef idx="1">
+            <a:schemeClr val="accent1"/>
+          </a:lnRef>
+          <a:fillRef idx="0">
+            <a:schemeClr val="accent1"/>
+          </a:fillRef>
+          <a:effectRef idx="0">
+            <a:schemeClr val="accent1"/>
+          </a:effectRef>
+          <a:fontRef idx="minor">
+            <a:schemeClr val="tx1"/>
+          </a:fontRef>
+        </p:style>
+      </p:cxnSp>
     </p:spTree>
     <p:extLst>
       <p:ext uri="{BB962C8B-B14F-4D97-AF65-F5344CB8AC3E}">
